--- a/DateClassFrame/DateClassPPT.pptx
+++ b/DateClassFrame/DateClassPPT.pptx
@@ -8,6 +8,7 @@
     <p:sldId id="256" r:id="rId2"/>
     <p:sldId id="257" r:id="rId3"/>
     <p:sldId id="258" r:id="rId4"/>
+    <p:sldId id="259" r:id="rId5"/>
   </p:sldIdLst>
   <p:sldSz cx="9144000" cy="6858000" type="screen4x3"/>
   <p:notesSz cx="6858000" cy="9144000"/>
@@ -3242,16 +3243,12 @@
           <a:p>
             <a:pPr lvl="2"/>
             <a:r>
-              <a:rPr lang="en-US" smtClean="0">
+              <a:rPr lang="en-US" dirty="0" smtClean="0">
                 <a:latin typeface="Times New Roman" pitchFamily="18" charset="0"/>
                 <a:cs typeface="Times New Roman" pitchFamily="18" charset="0"/>
               </a:rPr>
               <a:t>Any Non-negative number</a:t>
             </a:r>
-            <a:endParaRPr lang="en-US" dirty="0" smtClean="0">
-              <a:latin typeface="Times New Roman" pitchFamily="18" charset="0"/>
-              <a:cs typeface="Times New Roman" pitchFamily="18" charset="0"/>
-            </a:endParaRPr>
           </a:p>
           <a:p>
             <a:pPr lvl="2"/>
@@ -3626,6 +3623,221 @@
       </p:par>
     </p:tnLst>
   </p:timing>
+</p:sld>
+</file>
+
+<file path=ppt/slides/slide4.xml><?xml version="1.0" encoding="utf-8"?>
+<p:sld xmlns:a="http://schemas.openxmlformats.org/drawingml/2006/main" xmlns:r="http://schemas.openxmlformats.org/officeDocument/2006/relationships" xmlns:p="http://schemas.openxmlformats.org/presentationml/2006/main">
+  <p:cSld>
+    <p:spTree>
+      <p:nvGrpSpPr>
+        <p:cNvPr id="1" name=""/>
+        <p:cNvGrpSpPr/>
+        <p:nvPr/>
+      </p:nvGrpSpPr>
+      <p:grpSpPr>
+        <a:xfrm>
+          <a:off x="0" y="0"/>
+          <a:ext cx="0" cy="0"/>
+          <a:chOff x="0" y="0"/>
+          <a:chExt cx="0" cy="0"/>
+        </a:xfrm>
+      </p:grpSpPr>
+      <p:sp>
+        <p:nvSpPr>
+          <p:cNvPr id="4" name="Title 3"/>
+          <p:cNvSpPr>
+            <a:spLocks noGrp="1"/>
+          </p:cNvSpPr>
+          <p:nvPr>
+            <p:ph type="title"/>
+          </p:nvPr>
+        </p:nvSpPr>
+        <p:spPr>
+          <a:xfrm>
+            <a:off x="457200" y="274638"/>
+            <a:ext cx="8229600" cy="715962"/>
+          </a:xfrm>
+        </p:spPr>
+        <p:txBody>
+          <a:bodyPr>
+            <a:normAutofit fontScale="90000"/>
+          </a:bodyPr>
+          <a:lstStyle/>
+          <a:p>
+            <a:r>
+              <a:rPr lang="en-US" dirty="0" smtClean="0">
+                <a:latin typeface="Times New Roman" pitchFamily="18" charset="0"/>
+                <a:cs typeface="Times New Roman" pitchFamily="18" charset="0"/>
+              </a:rPr>
+              <a:t>Operator Overloading</a:t>
+            </a:r>
+            <a:endParaRPr lang="en-US" dirty="0">
+              <a:latin typeface="Times New Roman" pitchFamily="18" charset="0"/>
+              <a:cs typeface="Times New Roman" pitchFamily="18" charset="0"/>
+            </a:endParaRPr>
+          </a:p>
+        </p:txBody>
+      </p:sp>
+      <p:sp>
+        <p:nvSpPr>
+          <p:cNvPr id="3" name="Content Placeholder 2"/>
+          <p:cNvSpPr>
+            <a:spLocks noGrp="1"/>
+          </p:cNvSpPr>
+          <p:nvPr>
+            <p:ph idx="1"/>
+          </p:nvPr>
+        </p:nvSpPr>
+        <p:spPr>
+          <a:xfrm>
+            <a:off x="457200" y="1066800"/>
+            <a:ext cx="8229600" cy="5059363"/>
+          </a:xfrm>
+        </p:spPr>
+        <p:txBody>
+          <a:bodyPr/>
+          <a:lstStyle/>
+          <a:p>
+            <a:r>
+              <a:rPr lang="en-US" dirty="0">
+                <a:latin typeface="Times New Roman" pitchFamily="18" charset="0"/>
+                <a:cs typeface="Times New Roman" pitchFamily="18" charset="0"/>
+              </a:rPr>
+              <a:t>Create an overload of the insertion operator &lt;&lt; for output of </a:t>
+            </a:r>
+            <a:r>
+              <a:rPr lang="en-US" dirty="0" smtClean="0">
+                <a:latin typeface="Times New Roman" pitchFamily="18" charset="0"/>
+                <a:cs typeface="Times New Roman" pitchFamily="18" charset="0"/>
+              </a:rPr>
+              <a:t>Date objects</a:t>
+            </a:r>
+            <a:r>
+              <a:rPr lang="en-US" dirty="0">
+                <a:latin typeface="Times New Roman" pitchFamily="18" charset="0"/>
+                <a:cs typeface="Times New Roman" pitchFamily="18" charset="0"/>
+              </a:rPr>
+              <a:t>. </a:t>
+            </a:r>
+            <a:endParaRPr lang="en-US" dirty="0" smtClean="0">
+              <a:latin typeface="Times New Roman" pitchFamily="18" charset="0"/>
+              <a:cs typeface="Times New Roman" pitchFamily="18" charset="0"/>
+            </a:endParaRPr>
+          </a:p>
+          <a:p>
+            <a:r>
+              <a:rPr lang="en-US" dirty="0">
+                <a:latin typeface="Times New Roman" pitchFamily="18" charset="0"/>
+                <a:cs typeface="Times New Roman" pitchFamily="18" charset="0"/>
+              </a:rPr>
+              <a:t>Create an overload of the extraction operator &gt;&gt; for reading </a:t>
+            </a:r>
+            <a:r>
+              <a:rPr lang="en-US" dirty="0" smtClean="0">
+                <a:latin typeface="Times New Roman" pitchFamily="18" charset="0"/>
+                <a:cs typeface="Times New Roman" pitchFamily="18" charset="0"/>
+              </a:rPr>
+              <a:t>Date objects </a:t>
+            </a:r>
+            <a:r>
+              <a:rPr lang="en-US" dirty="0">
+                <a:latin typeface="Times New Roman" pitchFamily="18" charset="0"/>
+                <a:cs typeface="Times New Roman" pitchFamily="18" charset="0"/>
+              </a:rPr>
+              <a:t>from an input stream.  </a:t>
+            </a:r>
+            <a:endParaRPr lang="en-US" dirty="0" smtClean="0">
+              <a:latin typeface="Times New Roman" pitchFamily="18" charset="0"/>
+              <a:cs typeface="Times New Roman" pitchFamily="18" charset="0"/>
+            </a:endParaRPr>
+          </a:p>
+          <a:p>
+            <a:r>
+              <a:rPr lang="en-US" dirty="0">
+                <a:latin typeface="Times New Roman" pitchFamily="18" charset="0"/>
+                <a:cs typeface="Times New Roman" pitchFamily="18" charset="0"/>
+              </a:rPr>
+              <a:t>Create overloads for the + operator </a:t>
+            </a:r>
+            <a:r>
+              <a:rPr lang="en-US" dirty="0" smtClean="0">
+                <a:latin typeface="Times New Roman" pitchFamily="18" charset="0"/>
+                <a:cs typeface="Times New Roman" pitchFamily="18" charset="0"/>
+              </a:rPr>
+              <a:t>to </a:t>
+            </a:r>
+            <a:r>
+              <a:rPr lang="en-US" dirty="0">
+                <a:latin typeface="Times New Roman" pitchFamily="18" charset="0"/>
+                <a:cs typeface="Times New Roman" pitchFamily="18" charset="0"/>
+              </a:rPr>
+              <a:t>allow addition </a:t>
+            </a:r>
+            <a:r>
+              <a:rPr lang="en-US" dirty="0" smtClean="0">
+                <a:latin typeface="Times New Roman" pitchFamily="18" charset="0"/>
+                <a:cs typeface="Times New Roman" pitchFamily="18" charset="0"/>
+              </a:rPr>
+              <a:t>of </a:t>
+            </a:r>
+            <a:r>
+              <a:rPr lang="en-US" dirty="0">
+                <a:latin typeface="Times New Roman" pitchFamily="18" charset="0"/>
+                <a:cs typeface="Times New Roman" pitchFamily="18" charset="0"/>
+              </a:rPr>
+              <a:t>two quantities of d</a:t>
+            </a:r>
+            <a:r>
+              <a:rPr lang="en-US" dirty="0" smtClean="0">
+                <a:latin typeface="Times New Roman" pitchFamily="18" charset="0"/>
+                <a:cs typeface="Times New Roman" pitchFamily="18" charset="0"/>
+              </a:rPr>
+              <a:t>ate.</a:t>
+            </a:r>
+          </a:p>
+          <a:p>
+            <a:r>
+              <a:rPr lang="en-US" dirty="0">
+                <a:latin typeface="Times New Roman" pitchFamily="18" charset="0"/>
+                <a:cs typeface="Times New Roman" pitchFamily="18" charset="0"/>
+              </a:rPr>
+              <a:t>Create overloads for the increment </a:t>
+            </a:r>
+            <a:r>
+              <a:rPr lang="en-US" smtClean="0">
+                <a:latin typeface="Times New Roman" pitchFamily="18" charset="0"/>
+                <a:cs typeface="Times New Roman" pitchFamily="18" charset="0"/>
+              </a:rPr>
+              <a:t>(postfix and prefix) operators </a:t>
+            </a:r>
+            <a:r>
+              <a:rPr lang="en-US" dirty="0" smtClean="0">
+                <a:latin typeface="Times New Roman" pitchFamily="18" charset="0"/>
+                <a:cs typeface="Times New Roman" pitchFamily="18" charset="0"/>
+              </a:rPr>
+              <a:t>(++)</a:t>
+            </a:r>
+            <a:r>
+              <a:rPr lang="en-US" dirty="0">
+                <a:latin typeface="Times New Roman" pitchFamily="18" charset="0"/>
+                <a:cs typeface="Times New Roman" pitchFamily="18" charset="0"/>
+              </a:rPr>
+              <a:t> </a:t>
+            </a:r>
+          </a:p>
+        </p:txBody>
+      </p:sp>
+    </p:spTree>
+    <p:extLst>
+      <p:ext uri="{BB962C8B-B14F-4D97-AF65-F5344CB8AC3E}">
+        <p14:creationId xmlns:p14="http://schemas.microsoft.com/office/powerpoint/2010/main" val="404287746"/>
+      </p:ext>
+    </p:extLst>
+  </p:cSld>
+  <p:clrMapOvr>
+    <a:masterClrMapping/>
+  </p:clrMapOvr>
 </p:sld>
 </file>
 

--- a/DateClassFrame/DateClassPPT.pptx
+++ b/DateClassFrame/DateClassPPT.pptx
@@ -3303,11 +3303,18 @@
           <a:p>
             <a:pPr lvl="2"/>
             <a:r>
+              <a:rPr lang="en-US" smtClean="0">
+                <a:latin typeface="Times New Roman" pitchFamily="18" charset="0"/>
+                <a:cs typeface="Times New Roman" pitchFamily="18" charset="0"/>
+              </a:rPr>
+              <a:t>Within </a:t>
+            </a:r>
+            <a:r>
               <a:rPr lang="en-US" dirty="0" smtClean="0">
                 <a:latin typeface="Times New Roman" pitchFamily="18" charset="0"/>
                 <a:cs typeface="Times New Roman" pitchFamily="18" charset="0"/>
               </a:rPr>
-              <a:t>With valid range</a:t>
+              <a:t>valid range</a:t>
             </a:r>
           </a:p>
           <a:p>
@@ -3805,18 +3812,11 @@
               <a:t>Create overloads for the increment </a:t>
             </a:r>
             <a:r>
-              <a:rPr lang="en-US" smtClean="0">
-                <a:latin typeface="Times New Roman" pitchFamily="18" charset="0"/>
-                <a:cs typeface="Times New Roman" pitchFamily="18" charset="0"/>
-              </a:rPr>
-              <a:t>(postfix and prefix) operators </a:t>
-            </a:r>
-            <a:r>
               <a:rPr lang="en-US" dirty="0" smtClean="0">
                 <a:latin typeface="Times New Roman" pitchFamily="18" charset="0"/>
                 <a:cs typeface="Times New Roman" pitchFamily="18" charset="0"/>
               </a:rPr>
-              <a:t>(++)</a:t>
+              <a:t>(postfix and prefix) operators (++)</a:t>
             </a:r>
             <a:r>
               <a:rPr lang="en-US" dirty="0">

--- a/DateClassFrame/DateClassPPT.pptx
+++ b/DateClassFrame/DateClassPPT.pptx
@@ -6,9 +6,10 @@
   </p:sldMasterIdLst>
   <p:sldIdLst>
     <p:sldId id="256" r:id="rId2"/>
-    <p:sldId id="257" r:id="rId3"/>
-    <p:sldId id="258" r:id="rId4"/>
-    <p:sldId id="259" r:id="rId5"/>
+    <p:sldId id="260" r:id="rId3"/>
+    <p:sldId id="257" r:id="rId4"/>
+    <p:sldId id="258" r:id="rId5"/>
+    <p:sldId id="259" r:id="rId6"/>
   </p:sldIdLst>
   <p:sldSz cx="9144000" cy="6858000" type="screen4x3"/>
   <p:notesSz cx="6858000" cy="9144000"/>
@@ -291,7 +292,7 @@
           <a:p>
             <a:fld id="{A3B7C5DE-7065-47B0-84D4-BF9BFA16D468}" type="datetimeFigureOut">
               <a:rPr lang="en-US" smtClean="0"/>
-              <a:t>9/28/2014</a:t>
+              <a:t>9/29/2014</a:t>
             </a:fld>
             <a:endParaRPr lang="en-US"/>
           </a:p>
@@ -461,7 +462,7 @@
           <a:p>
             <a:fld id="{A3B7C5DE-7065-47B0-84D4-BF9BFA16D468}" type="datetimeFigureOut">
               <a:rPr lang="en-US" smtClean="0"/>
-              <a:t>9/28/2014</a:t>
+              <a:t>9/29/2014</a:t>
             </a:fld>
             <a:endParaRPr lang="en-US"/>
           </a:p>
@@ -641,7 +642,7 @@
           <a:p>
             <a:fld id="{A3B7C5DE-7065-47B0-84D4-BF9BFA16D468}" type="datetimeFigureOut">
               <a:rPr lang="en-US" smtClean="0"/>
-              <a:t>9/28/2014</a:t>
+              <a:t>9/29/2014</a:t>
             </a:fld>
             <a:endParaRPr lang="en-US"/>
           </a:p>
@@ -811,7 +812,7 @@
           <a:p>
             <a:fld id="{A3B7C5DE-7065-47B0-84D4-BF9BFA16D468}" type="datetimeFigureOut">
               <a:rPr lang="en-US" smtClean="0"/>
-              <a:t>9/28/2014</a:t>
+              <a:t>9/29/2014</a:t>
             </a:fld>
             <a:endParaRPr lang="en-US"/>
           </a:p>
@@ -1057,7 +1058,7 @@
           <a:p>
             <a:fld id="{A3B7C5DE-7065-47B0-84D4-BF9BFA16D468}" type="datetimeFigureOut">
               <a:rPr lang="en-US" smtClean="0"/>
-              <a:t>9/28/2014</a:t>
+              <a:t>9/29/2014</a:t>
             </a:fld>
             <a:endParaRPr lang="en-US"/>
           </a:p>
@@ -1345,7 +1346,7 @@
           <a:p>
             <a:fld id="{A3B7C5DE-7065-47B0-84D4-BF9BFA16D468}" type="datetimeFigureOut">
               <a:rPr lang="en-US" smtClean="0"/>
-              <a:t>9/28/2014</a:t>
+              <a:t>9/29/2014</a:t>
             </a:fld>
             <a:endParaRPr lang="en-US"/>
           </a:p>
@@ -1767,7 +1768,7 @@
           <a:p>
             <a:fld id="{A3B7C5DE-7065-47B0-84D4-BF9BFA16D468}" type="datetimeFigureOut">
               <a:rPr lang="en-US" smtClean="0"/>
-              <a:t>9/28/2014</a:t>
+              <a:t>9/29/2014</a:t>
             </a:fld>
             <a:endParaRPr lang="en-US"/>
           </a:p>
@@ -1885,7 +1886,7 @@
           <a:p>
             <a:fld id="{A3B7C5DE-7065-47B0-84D4-BF9BFA16D468}" type="datetimeFigureOut">
               <a:rPr lang="en-US" smtClean="0"/>
-              <a:t>9/28/2014</a:t>
+              <a:t>9/29/2014</a:t>
             </a:fld>
             <a:endParaRPr lang="en-US"/>
           </a:p>
@@ -1980,7 +1981,7 @@
           <a:p>
             <a:fld id="{A3B7C5DE-7065-47B0-84D4-BF9BFA16D468}" type="datetimeFigureOut">
               <a:rPr lang="en-US" smtClean="0"/>
-              <a:t>9/28/2014</a:t>
+              <a:t>9/29/2014</a:t>
             </a:fld>
             <a:endParaRPr lang="en-US"/>
           </a:p>
@@ -2257,7 +2258,7 @@
           <a:p>
             <a:fld id="{A3B7C5DE-7065-47B0-84D4-BF9BFA16D468}" type="datetimeFigureOut">
               <a:rPr lang="en-US" smtClean="0"/>
-              <a:t>9/28/2014</a:t>
+              <a:t>9/29/2014</a:t>
             </a:fld>
             <a:endParaRPr lang="en-US"/>
           </a:p>
@@ -2510,7 +2511,7 @@
           <a:p>
             <a:fld id="{A3B7C5DE-7065-47B0-84D4-BF9BFA16D468}" type="datetimeFigureOut">
               <a:rPr lang="en-US" smtClean="0"/>
-              <a:t>9/28/2014</a:t>
+              <a:t>9/29/2014</a:t>
             </a:fld>
             <a:endParaRPr lang="en-US"/>
           </a:p>
@@ -2723,7 +2724,7 @@
           <a:p>
             <a:fld id="{A3B7C5DE-7065-47B0-84D4-BF9BFA16D468}" type="datetimeFigureOut">
               <a:rPr lang="en-US" smtClean="0"/>
-              <a:t>9/28/2014</a:t>
+              <a:t>9/29/2014</a:t>
             </a:fld>
             <a:endParaRPr lang="en-US"/>
           </a:p>
@@ -3205,126 +3206,94 @@
         </p:nvSpPr>
         <p:spPr>
           <a:xfrm>
-            <a:off x="457200" y="304801"/>
-            <a:ext cx="8229600" cy="5638800"/>
+            <a:off x="457200" y="228600"/>
+            <a:ext cx="8229600" cy="6400800"/>
           </a:xfrm>
         </p:spPr>
         <p:txBody>
-          <a:bodyPr/>
-          <a:lstStyle/>
-          <a:p>
-            <a:r>
-              <a:rPr lang="en-US" dirty="0" smtClean="0">
-                <a:latin typeface="Times New Roman" pitchFamily="18" charset="0"/>
-                <a:cs typeface="Times New Roman" pitchFamily="18" charset="0"/>
-              </a:rPr>
-              <a:t>Implement a simple ‘Date’ class</a:t>
-            </a:r>
-          </a:p>
-          <a:p>
-            <a:r>
-              <a:rPr lang="en-US" dirty="0" smtClean="0">
-                <a:latin typeface="Times New Roman" pitchFamily="18" charset="0"/>
-                <a:cs typeface="Times New Roman" pitchFamily="18" charset="0"/>
-              </a:rPr>
-              <a:t>The variables stored in ‘Date’ class include</a:t>
-            </a:r>
-          </a:p>
-          <a:p>
-            <a:pPr lvl="1"/>
-            <a:r>
-              <a:rPr lang="en-US" dirty="0" smtClean="0">
-                <a:latin typeface="Times New Roman" pitchFamily="18" charset="0"/>
-                <a:cs typeface="Times New Roman" pitchFamily="18" charset="0"/>
-              </a:rPr>
-              <a:t>Year</a:t>
-            </a:r>
-          </a:p>
-          <a:p>
-            <a:pPr lvl="2"/>
-            <a:r>
-              <a:rPr lang="en-US" dirty="0" smtClean="0">
-                <a:latin typeface="Times New Roman" pitchFamily="18" charset="0"/>
-                <a:cs typeface="Times New Roman" pitchFamily="18" charset="0"/>
-              </a:rPr>
-              <a:t>Any Non-negative number</a:t>
-            </a:r>
-          </a:p>
-          <a:p>
-            <a:pPr lvl="2"/>
-            <a:r>
-              <a:rPr lang="en-US" dirty="0" smtClean="0">
-                <a:latin typeface="Times New Roman" pitchFamily="18" charset="0"/>
-                <a:cs typeface="Times New Roman" pitchFamily="18" charset="0"/>
-              </a:rPr>
-              <a:t>Default is 0</a:t>
-            </a:r>
-          </a:p>
-          <a:p>
-            <a:pPr lvl="1"/>
-            <a:r>
-              <a:rPr lang="en-US" dirty="0" smtClean="0">
-                <a:latin typeface="Times New Roman" pitchFamily="18" charset="0"/>
-                <a:cs typeface="Times New Roman" pitchFamily="18" charset="0"/>
-              </a:rPr>
-              <a:t>Month</a:t>
-            </a:r>
-          </a:p>
-          <a:p>
-            <a:pPr lvl="2"/>
-            <a:r>
-              <a:rPr lang="en-US" dirty="0" smtClean="0">
-                <a:latin typeface="Times New Roman" pitchFamily="18" charset="0"/>
-                <a:cs typeface="Times New Roman" pitchFamily="18" charset="0"/>
-              </a:rPr>
-              <a:t>Between 1 and 12</a:t>
-            </a:r>
-          </a:p>
-          <a:p>
-            <a:pPr lvl="2"/>
-            <a:r>
-              <a:rPr lang="en-US" dirty="0" smtClean="0">
-                <a:latin typeface="Times New Roman" pitchFamily="18" charset="0"/>
-                <a:cs typeface="Times New Roman" pitchFamily="18" charset="0"/>
-              </a:rPr>
-              <a:t>Default is 1</a:t>
-            </a:r>
-          </a:p>
-          <a:p>
-            <a:pPr lvl="1"/>
-            <a:r>
-              <a:rPr lang="en-US" dirty="0" smtClean="0">
-                <a:latin typeface="Times New Roman" pitchFamily="18" charset="0"/>
-                <a:cs typeface="Times New Roman" pitchFamily="18" charset="0"/>
-              </a:rPr>
-              <a:t>Day</a:t>
-            </a:r>
-          </a:p>
-          <a:p>
-            <a:pPr lvl="2"/>
-            <a:r>
-              <a:rPr lang="en-US" smtClean="0">
-                <a:latin typeface="Times New Roman" pitchFamily="18" charset="0"/>
-                <a:cs typeface="Times New Roman" pitchFamily="18" charset="0"/>
-              </a:rPr>
-              <a:t>Within </a:t>
-            </a:r>
-            <a:r>
-              <a:rPr lang="en-US" dirty="0" smtClean="0">
-                <a:latin typeface="Times New Roman" pitchFamily="18" charset="0"/>
-                <a:cs typeface="Times New Roman" pitchFamily="18" charset="0"/>
-              </a:rPr>
-              <a:t>valid range</a:t>
-            </a:r>
-          </a:p>
-          <a:p>
-            <a:pPr lvl="2"/>
-            <a:r>
-              <a:rPr lang="en-US" dirty="0" smtClean="0">
-                <a:latin typeface="Times New Roman" pitchFamily="18" charset="0"/>
-                <a:cs typeface="Times New Roman" pitchFamily="18" charset="0"/>
-              </a:rPr>
-              <a:t>Default is 1</a:t>
+          <a:bodyPr>
+            <a:noAutofit/>
+          </a:bodyPr>
+          <a:lstStyle/>
+          <a:p>
+            <a:r>
+              <a:rPr lang="en-US" sz="2000" dirty="0">
+                <a:latin typeface="Times New Roman" pitchFamily="18" charset="0"/>
+                <a:cs typeface="Times New Roman" pitchFamily="18" charset="0"/>
+              </a:rPr>
+              <a:t>Association is a relationship where all objects have their own lifecycle and there is no owner. Let’s take an example of Teacher and Student. Multiple students can associate with single teacher and single student can associate with multiple teachers, but there is no ownership between the objects and both have their own lifecycle. Both can create and delete independently</a:t>
+            </a:r>
+            <a:r>
+              <a:rPr lang="en-US" sz="2000" dirty="0" smtClean="0">
+                <a:latin typeface="Times New Roman" pitchFamily="18" charset="0"/>
+                <a:cs typeface="Times New Roman" pitchFamily="18" charset="0"/>
+              </a:rPr>
+              <a:t>.</a:t>
+            </a:r>
+          </a:p>
+          <a:p>
+            <a:endParaRPr lang="en-US" sz="2000" dirty="0">
+              <a:latin typeface="Times New Roman" pitchFamily="18" charset="0"/>
+              <a:cs typeface="Times New Roman" pitchFamily="18" charset="0"/>
+            </a:endParaRPr>
+          </a:p>
+          <a:p>
+            <a:r>
+              <a:rPr lang="en-US" sz="2000" dirty="0">
+                <a:latin typeface="Times New Roman" pitchFamily="18" charset="0"/>
+                <a:cs typeface="Times New Roman" pitchFamily="18" charset="0"/>
+              </a:rPr>
+              <a:t>Aggregation is a </a:t>
+            </a:r>
+            <a:r>
+              <a:rPr lang="en-US" sz="2000" dirty="0" smtClean="0">
+                <a:latin typeface="Times New Roman" pitchFamily="18" charset="0"/>
+                <a:cs typeface="Times New Roman" pitchFamily="18" charset="0"/>
+              </a:rPr>
+              <a:t>specialized </a:t>
+            </a:r>
+            <a:r>
+              <a:rPr lang="en-US" sz="2000" dirty="0">
+                <a:latin typeface="Times New Roman" pitchFamily="18" charset="0"/>
+                <a:cs typeface="Times New Roman" pitchFamily="18" charset="0"/>
+              </a:rPr>
+              <a:t>form of Association where all objects have their own lifecycle, but there is ownership and child objects can not belong to another parent object. Let’s take an example of Department and teacher. A single teacher can not belong to multiple departments, but if we delete the department teacher object will not be destroyed. We can think about it as a “has-a” relationship</a:t>
+            </a:r>
+            <a:r>
+              <a:rPr lang="en-US" sz="2000" dirty="0" smtClean="0">
+                <a:latin typeface="Times New Roman" pitchFamily="18" charset="0"/>
+                <a:cs typeface="Times New Roman" pitchFamily="18" charset="0"/>
+              </a:rPr>
+              <a:t>.</a:t>
+            </a:r>
+          </a:p>
+          <a:p>
+            <a:endParaRPr lang="en-US" sz="2000" dirty="0">
+              <a:latin typeface="Times New Roman" pitchFamily="18" charset="0"/>
+              <a:cs typeface="Times New Roman" pitchFamily="18" charset="0"/>
+            </a:endParaRPr>
+          </a:p>
+          <a:p>
+            <a:r>
+              <a:rPr lang="en-US" sz="2000" dirty="0">
+                <a:latin typeface="Times New Roman" pitchFamily="18" charset="0"/>
+                <a:cs typeface="Times New Roman" pitchFamily="18" charset="0"/>
+              </a:rPr>
+              <a:t>Composition is again </a:t>
+            </a:r>
+            <a:r>
+              <a:rPr lang="en-US" sz="2000" dirty="0" smtClean="0">
+                <a:latin typeface="Times New Roman" pitchFamily="18" charset="0"/>
+                <a:cs typeface="Times New Roman" pitchFamily="18" charset="0"/>
+              </a:rPr>
+              <a:t>specialized </a:t>
+            </a:r>
+            <a:r>
+              <a:rPr lang="en-US" sz="2000" dirty="0">
+                <a:latin typeface="Times New Roman" pitchFamily="18" charset="0"/>
+                <a:cs typeface="Times New Roman" pitchFamily="18" charset="0"/>
+              </a:rPr>
+              <a:t>form of Aggregation and we can call this as a “death” relationship. It is a strong type of Aggregation. Child object does not have its lifecycle and if parent object is deleted, all child objects will also be deleted. Let’s take again an example of relationship between House and Rooms. House can contain multiple rooms - there is no independent life of room and any room can not belong to two different houses. If we delete the house - room will automatically be deleted. </a:t>
             </a:r>
           </a:p>
         </p:txBody>
@@ -3332,7 +3301,7 @@
     </p:spTree>
     <p:extLst>
       <p:ext uri="{BB962C8B-B14F-4D97-AF65-F5344CB8AC3E}">
-        <p14:creationId xmlns:p14="http://schemas.microsoft.com/office/powerpoint/2010/main" val="3460131282"/>
+        <p14:creationId xmlns:p14="http://schemas.microsoft.com/office/powerpoint/2010/main" val="2673924209"/>
       </p:ext>
     </p:extLst>
   </p:cSld>
@@ -3342,9 +3311,380 @@
   <p:timing>
     <p:tnLst>
       <p:par>
-        <p:cTn id="1" dur="indefinite" restart="never" nodeType="tmRoot"/>
+        <p:cTn id="1" dur="indefinite" restart="never" nodeType="tmRoot">
+          <p:childTnLst>
+            <p:seq concurrent="1" nextAc="seek">
+              <p:cTn id="2" dur="indefinite" nodeType="mainSeq">
+                <p:childTnLst>
+                  <p:par>
+                    <p:cTn id="3" fill="hold">
+                      <p:stCondLst>
+                        <p:cond delay="indefinite"/>
+                      </p:stCondLst>
+                      <p:childTnLst>
+                        <p:par>
+                          <p:cTn id="4" fill="hold">
+                            <p:stCondLst>
+                              <p:cond delay="0"/>
+                            </p:stCondLst>
+                            <p:childTnLst>
+                              <p:par>
+                                <p:cTn id="5" presetID="42" presetClass="entr" presetSubtype="0" fill="hold" grpId="0" nodeType="clickEffect">
+                                  <p:stCondLst>
+                                    <p:cond delay="0"/>
+                                  </p:stCondLst>
+                                  <p:childTnLst>
+                                    <p:set>
+                                      <p:cBhvr>
+                                        <p:cTn id="6" dur="1" fill="hold">
+                                          <p:stCondLst>
+                                            <p:cond delay="0"/>
+                                          </p:stCondLst>
+                                        </p:cTn>
+                                        <p:tgtEl>
+                                          <p:spTgt spid="3">
+                                            <p:txEl>
+                                              <p:pRg st="0" end="0"/>
+                                            </p:txEl>
+                                          </p:spTgt>
+                                        </p:tgtEl>
+                                        <p:attrNameLst>
+                                          <p:attrName>style.visibility</p:attrName>
+                                        </p:attrNameLst>
+                                      </p:cBhvr>
+                                      <p:to>
+                                        <p:strVal val="visible"/>
+                                      </p:to>
+                                    </p:set>
+                                    <p:animEffect transition="in" filter="fade">
+                                      <p:cBhvr>
+                                        <p:cTn id="7" dur="1000"/>
+                                        <p:tgtEl>
+                                          <p:spTgt spid="3">
+                                            <p:txEl>
+                                              <p:pRg st="0" end="0"/>
+                                            </p:txEl>
+                                          </p:spTgt>
+                                        </p:tgtEl>
+                                      </p:cBhvr>
+                                    </p:animEffect>
+                                    <p:anim calcmode="lin" valueType="num">
+                                      <p:cBhvr>
+                                        <p:cTn id="8" dur="1000" fill="hold"/>
+                                        <p:tgtEl>
+                                          <p:spTgt spid="3">
+                                            <p:txEl>
+                                              <p:pRg st="0" end="0"/>
+                                            </p:txEl>
+                                          </p:spTgt>
+                                        </p:tgtEl>
+                                        <p:attrNameLst>
+                                          <p:attrName>ppt_x</p:attrName>
+                                        </p:attrNameLst>
+                                      </p:cBhvr>
+                                      <p:tavLst>
+                                        <p:tav tm="0">
+                                          <p:val>
+                                            <p:strVal val="#ppt_x"/>
+                                          </p:val>
+                                        </p:tav>
+                                        <p:tav tm="100000">
+                                          <p:val>
+                                            <p:strVal val="#ppt_x"/>
+                                          </p:val>
+                                        </p:tav>
+                                      </p:tavLst>
+                                    </p:anim>
+                                    <p:anim calcmode="lin" valueType="num">
+                                      <p:cBhvr>
+                                        <p:cTn id="9" dur="1000" fill="hold"/>
+                                        <p:tgtEl>
+                                          <p:spTgt spid="3">
+                                            <p:txEl>
+                                              <p:pRg st="0" end="0"/>
+                                            </p:txEl>
+                                          </p:spTgt>
+                                        </p:tgtEl>
+                                        <p:attrNameLst>
+                                          <p:attrName>ppt_y</p:attrName>
+                                        </p:attrNameLst>
+                                      </p:cBhvr>
+                                      <p:tavLst>
+                                        <p:tav tm="0">
+                                          <p:val>
+                                            <p:strVal val="#ppt_y+.1"/>
+                                          </p:val>
+                                        </p:tav>
+                                        <p:tav tm="100000">
+                                          <p:val>
+                                            <p:strVal val="#ppt_y"/>
+                                          </p:val>
+                                        </p:tav>
+                                      </p:tavLst>
+                                    </p:anim>
+                                  </p:childTnLst>
+                                </p:cTn>
+                              </p:par>
+                            </p:childTnLst>
+                          </p:cTn>
+                        </p:par>
+                      </p:childTnLst>
+                    </p:cTn>
+                  </p:par>
+                  <p:par>
+                    <p:cTn id="10" fill="hold">
+                      <p:stCondLst>
+                        <p:cond delay="indefinite"/>
+                      </p:stCondLst>
+                      <p:childTnLst>
+                        <p:par>
+                          <p:cTn id="11" fill="hold">
+                            <p:stCondLst>
+                              <p:cond delay="0"/>
+                            </p:stCondLst>
+                            <p:childTnLst>
+                              <p:par>
+                                <p:cTn id="12" presetID="42" presetClass="entr" presetSubtype="0" fill="hold" grpId="0" nodeType="clickEffect">
+                                  <p:stCondLst>
+                                    <p:cond delay="0"/>
+                                  </p:stCondLst>
+                                  <p:childTnLst>
+                                    <p:set>
+                                      <p:cBhvr>
+                                        <p:cTn id="13" dur="1" fill="hold">
+                                          <p:stCondLst>
+                                            <p:cond delay="0"/>
+                                          </p:stCondLst>
+                                        </p:cTn>
+                                        <p:tgtEl>
+                                          <p:spTgt spid="3">
+                                            <p:txEl>
+                                              <p:pRg st="2" end="2"/>
+                                            </p:txEl>
+                                          </p:spTgt>
+                                        </p:tgtEl>
+                                        <p:attrNameLst>
+                                          <p:attrName>style.visibility</p:attrName>
+                                        </p:attrNameLst>
+                                      </p:cBhvr>
+                                      <p:to>
+                                        <p:strVal val="visible"/>
+                                      </p:to>
+                                    </p:set>
+                                    <p:animEffect transition="in" filter="fade">
+                                      <p:cBhvr>
+                                        <p:cTn id="14" dur="1000"/>
+                                        <p:tgtEl>
+                                          <p:spTgt spid="3">
+                                            <p:txEl>
+                                              <p:pRg st="2" end="2"/>
+                                            </p:txEl>
+                                          </p:spTgt>
+                                        </p:tgtEl>
+                                      </p:cBhvr>
+                                    </p:animEffect>
+                                    <p:anim calcmode="lin" valueType="num">
+                                      <p:cBhvr>
+                                        <p:cTn id="15" dur="1000" fill="hold"/>
+                                        <p:tgtEl>
+                                          <p:spTgt spid="3">
+                                            <p:txEl>
+                                              <p:pRg st="2" end="2"/>
+                                            </p:txEl>
+                                          </p:spTgt>
+                                        </p:tgtEl>
+                                        <p:attrNameLst>
+                                          <p:attrName>ppt_x</p:attrName>
+                                        </p:attrNameLst>
+                                      </p:cBhvr>
+                                      <p:tavLst>
+                                        <p:tav tm="0">
+                                          <p:val>
+                                            <p:strVal val="#ppt_x"/>
+                                          </p:val>
+                                        </p:tav>
+                                        <p:tav tm="100000">
+                                          <p:val>
+                                            <p:strVal val="#ppt_x"/>
+                                          </p:val>
+                                        </p:tav>
+                                      </p:tavLst>
+                                    </p:anim>
+                                    <p:anim calcmode="lin" valueType="num">
+                                      <p:cBhvr>
+                                        <p:cTn id="16" dur="1000" fill="hold"/>
+                                        <p:tgtEl>
+                                          <p:spTgt spid="3">
+                                            <p:txEl>
+                                              <p:pRg st="2" end="2"/>
+                                            </p:txEl>
+                                          </p:spTgt>
+                                        </p:tgtEl>
+                                        <p:attrNameLst>
+                                          <p:attrName>ppt_y</p:attrName>
+                                        </p:attrNameLst>
+                                      </p:cBhvr>
+                                      <p:tavLst>
+                                        <p:tav tm="0">
+                                          <p:val>
+                                            <p:strVal val="#ppt_y+.1"/>
+                                          </p:val>
+                                        </p:tav>
+                                        <p:tav tm="100000">
+                                          <p:val>
+                                            <p:strVal val="#ppt_y"/>
+                                          </p:val>
+                                        </p:tav>
+                                      </p:tavLst>
+                                    </p:anim>
+                                  </p:childTnLst>
+                                </p:cTn>
+                              </p:par>
+                            </p:childTnLst>
+                          </p:cTn>
+                        </p:par>
+                      </p:childTnLst>
+                    </p:cTn>
+                  </p:par>
+                  <p:par>
+                    <p:cTn id="17" fill="hold">
+                      <p:stCondLst>
+                        <p:cond delay="indefinite"/>
+                      </p:stCondLst>
+                      <p:childTnLst>
+                        <p:par>
+                          <p:cTn id="18" fill="hold">
+                            <p:stCondLst>
+                              <p:cond delay="0"/>
+                            </p:stCondLst>
+                            <p:childTnLst>
+                              <p:par>
+                                <p:cTn id="19" presetID="42" presetClass="entr" presetSubtype="0" fill="hold" grpId="0" nodeType="clickEffect">
+                                  <p:stCondLst>
+                                    <p:cond delay="0"/>
+                                  </p:stCondLst>
+                                  <p:childTnLst>
+                                    <p:set>
+                                      <p:cBhvr>
+                                        <p:cTn id="20" dur="1" fill="hold">
+                                          <p:stCondLst>
+                                            <p:cond delay="0"/>
+                                          </p:stCondLst>
+                                        </p:cTn>
+                                        <p:tgtEl>
+                                          <p:spTgt spid="3">
+                                            <p:txEl>
+                                              <p:pRg st="4" end="4"/>
+                                            </p:txEl>
+                                          </p:spTgt>
+                                        </p:tgtEl>
+                                        <p:attrNameLst>
+                                          <p:attrName>style.visibility</p:attrName>
+                                        </p:attrNameLst>
+                                      </p:cBhvr>
+                                      <p:to>
+                                        <p:strVal val="visible"/>
+                                      </p:to>
+                                    </p:set>
+                                    <p:animEffect transition="in" filter="fade">
+                                      <p:cBhvr>
+                                        <p:cTn id="21" dur="1000"/>
+                                        <p:tgtEl>
+                                          <p:spTgt spid="3">
+                                            <p:txEl>
+                                              <p:pRg st="4" end="4"/>
+                                            </p:txEl>
+                                          </p:spTgt>
+                                        </p:tgtEl>
+                                      </p:cBhvr>
+                                    </p:animEffect>
+                                    <p:anim calcmode="lin" valueType="num">
+                                      <p:cBhvr>
+                                        <p:cTn id="22" dur="1000" fill="hold"/>
+                                        <p:tgtEl>
+                                          <p:spTgt spid="3">
+                                            <p:txEl>
+                                              <p:pRg st="4" end="4"/>
+                                            </p:txEl>
+                                          </p:spTgt>
+                                        </p:tgtEl>
+                                        <p:attrNameLst>
+                                          <p:attrName>ppt_x</p:attrName>
+                                        </p:attrNameLst>
+                                      </p:cBhvr>
+                                      <p:tavLst>
+                                        <p:tav tm="0">
+                                          <p:val>
+                                            <p:strVal val="#ppt_x"/>
+                                          </p:val>
+                                        </p:tav>
+                                        <p:tav tm="100000">
+                                          <p:val>
+                                            <p:strVal val="#ppt_x"/>
+                                          </p:val>
+                                        </p:tav>
+                                      </p:tavLst>
+                                    </p:anim>
+                                    <p:anim calcmode="lin" valueType="num">
+                                      <p:cBhvr>
+                                        <p:cTn id="23" dur="1000" fill="hold"/>
+                                        <p:tgtEl>
+                                          <p:spTgt spid="3">
+                                            <p:txEl>
+                                              <p:pRg st="4" end="4"/>
+                                            </p:txEl>
+                                          </p:spTgt>
+                                        </p:tgtEl>
+                                        <p:attrNameLst>
+                                          <p:attrName>ppt_y</p:attrName>
+                                        </p:attrNameLst>
+                                      </p:cBhvr>
+                                      <p:tavLst>
+                                        <p:tav tm="0">
+                                          <p:val>
+                                            <p:strVal val="#ppt_y+.1"/>
+                                          </p:val>
+                                        </p:tav>
+                                        <p:tav tm="100000">
+                                          <p:val>
+                                            <p:strVal val="#ppt_y"/>
+                                          </p:val>
+                                        </p:tav>
+                                      </p:tavLst>
+                                    </p:anim>
+                                  </p:childTnLst>
+                                </p:cTn>
+                              </p:par>
+                            </p:childTnLst>
+                          </p:cTn>
+                        </p:par>
+                      </p:childTnLst>
+                    </p:cTn>
+                  </p:par>
+                </p:childTnLst>
+              </p:cTn>
+              <p:prevCondLst>
+                <p:cond evt="onPrev" delay="0">
+                  <p:tgtEl>
+                    <p:sldTgt/>
+                  </p:tgtEl>
+                </p:cond>
+              </p:prevCondLst>
+              <p:nextCondLst>
+                <p:cond evt="onNext" delay="0">
+                  <p:tgtEl>
+                    <p:sldTgt/>
+                  </p:tgtEl>
+                </p:cond>
+              </p:nextCondLst>
+            </p:seq>
+          </p:childTnLst>
+        </p:cTn>
       </p:par>
     </p:tnLst>
+    <p:bldLst>
+      <p:bldP spid="3" grpId="0" build="p"/>
+    </p:bldLst>
   </p:timing>
 </p:sld>
 </file>
@@ -3378,32 +3718,39 @@
         </p:nvSpPr>
         <p:spPr>
           <a:xfrm>
-            <a:off x="457200" y="457200"/>
-            <a:ext cx="8229600" cy="6019800"/>
+            <a:off x="457200" y="304801"/>
+            <a:ext cx="8229600" cy="5638800"/>
           </a:xfrm>
         </p:spPr>
         <p:txBody>
-          <a:bodyPr>
-            <a:noAutofit/>
-          </a:bodyPr>
-          <a:lstStyle/>
-          <a:p>
-            <a:r>
-              <a:rPr lang="en-US" sz="2400" dirty="0" smtClean="0">
-                <a:latin typeface="Times New Roman" pitchFamily="18" charset="0"/>
-                <a:cs typeface="Times New Roman" pitchFamily="18" charset="0"/>
-              </a:rPr>
-              <a:t>‘Date’ class will have 3 types of constructor</a:t>
+          <a:bodyPr/>
+          <a:lstStyle/>
+          <a:p>
+            <a:r>
+              <a:rPr lang="en-US" dirty="0" smtClean="0">
+                <a:latin typeface="Times New Roman" pitchFamily="18" charset="0"/>
+                <a:cs typeface="Times New Roman" pitchFamily="18" charset="0"/>
+              </a:rPr>
+              <a:t>Implement a simple ‘Date’ class</a:t>
+            </a:r>
+          </a:p>
+          <a:p>
+            <a:r>
+              <a:rPr lang="en-US" dirty="0" smtClean="0">
+                <a:latin typeface="Times New Roman" pitchFamily="18" charset="0"/>
+                <a:cs typeface="Times New Roman" pitchFamily="18" charset="0"/>
+              </a:rPr>
+              <a:t>The variables stored in ‘Date’ class include</a:t>
             </a:r>
           </a:p>
           <a:p>
             <a:pPr lvl="1"/>
             <a:r>
-              <a:rPr lang="en-US" sz="2400" dirty="0" smtClean="0">
-                <a:latin typeface="Times New Roman" pitchFamily="18" charset="0"/>
-                <a:cs typeface="Times New Roman" pitchFamily="18" charset="0"/>
-              </a:rPr>
-              <a:t>Default constructor</a:t>
+              <a:rPr lang="en-US" dirty="0" smtClean="0">
+                <a:latin typeface="Times New Roman" pitchFamily="18" charset="0"/>
+                <a:cs typeface="Times New Roman" pitchFamily="18" charset="0"/>
+              </a:rPr>
+              <a:t>Year</a:t>
             </a:r>
           </a:p>
           <a:p>
@@ -3413,7 +3760,7 @@
                 <a:latin typeface="Times New Roman" pitchFamily="18" charset="0"/>
                 <a:cs typeface="Times New Roman" pitchFamily="18" charset="0"/>
               </a:rPr>
-              <a:t>Date();</a:t>
+              <a:t>Any Non-negative number</a:t>
             </a:r>
           </a:p>
           <a:p>
@@ -3423,31 +3770,17 @@
                 <a:latin typeface="Times New Roman" pitchFamily="18" charset="0"/>
                 <a:cs typeface="Times New Roman" pitchFamily="18" charset="0"/>
               </a:rPr>
-              <a:t>Initialized year, month, and day with default value</a:t>
+              <a:t>Default is 0</a:t>
             </a:r>
           </a:p>
           <a:p>
             <a:pPr lvl="1"/>
             <a:r>
-              <a:rPr lang="en-US" sz="2400" dirty="0" smtClean="0">
-                <a:latin typeface="Times New Roman" pitchFamily="18" charset="0"/>
-                <a:cs typeface="Times New Roman" pitchFamily="18" charset="0"/>
-              </a:rPr>
-              <a:t>Conversion constructor (constructor </a:t>
-            </a:r>
-            <a:r>
-              <a:rPr lang="en-US" sz="2400" dirty="0">
-                <a:latin typeface="Times New Roman" pitchFamily="18" charset="0"/>
-                <a:cs typeface="Times New Roman" pitchFamily="18" charset="0"/>
-              </a:rPr>
-              <a:t>with </a:t>
-            </a:r>
-            <a:r>
-              <a:rPr lang="en-US" sz="2400" dirty="0" smtClean="0">
-                <a:latin typeface="Times New Roman" pitchFamily="18" charset="0"/>
-                <a:cs typeface="Times New Roman" pitchFamily="18" charset="0"/>
-              </a:rPr>
-              <a:t>single parameter)</a:t>
+              <a:rPr lang="en-US" dirty="0" smtClean="0">
+                <a:latin typeface="Times New Roman" pitchFamily="18" charset="0"/>
+                <a:cs typeface="Times New Roman" pitchFamily="18" charset="0"/>
+              </a:rPr>
+              <a:t>Month</a:t>
             </a:r>
           </a:p>
           <a:p>
@@ -3457,7 +3790,7 @@
                 <a:latin typeface="Times New Roman" pitchFamily="18" charset="0"/>
                 <a:cs typeface="Times New Roman" pitchFamily="18" charset="0"/>
               </a:rPr>
-              <a:t>Takes single argument</a:t>
+              <a:t>Between 1 and 12</a:t>
             </a:r>
           </a:p>
           <a:p>
@@ -3467,41 +3800,34 @@
                 <a:latin typeface="Times New Roman" pitchFamily="18" charset="0"/>
                 <a:cs typeface="Times New Roman" pitchFamily="18" charset="0"/>
               </a:rPr>
-              <a:t>Date(</a:t>
-            </a:r>
-            <a:r>
-              <a:rPr lang="en-US" dirty="0" err="1" smtClean="0">
-                <a:latin typeface="Times New Roman" pitchFamily="18" charset="0"/>
-                <a:cs typeface="Times New Roman" pitchFamily="18" charset="0"/>
-              </a:rPr>
-              <a:t>int</a:t>
-            </a:r>
+              <a:t>Default is 1</a:t>
+            </a:r>
+          </a:p>
+          <a:p>
+            <a:pPr lvl="1"/>
             <a:r>
               <a:rPr lang="en-US" dirty="0" smtClean="0">
                 <a:latin typeface="Times New Roman" pitchFamily="18" charset="0"/>
                 <a:cs typeface="Times New Roman" pitchFamily="18" charset="0"/>
               </a:rPr>
-              <a:t> d);</a:t>
+              <a:t>Day</a:t>
             </a:r>
           </a:p>
           <a:p>
             <a:pPr lvl="2"/>
             <a:r>
+              <a:rPr lang="en-US" smtClean="0">
+                <a:latin typeface="Times New Roman" pitchFamily="18" charset="0"/>
+                <a:cs typeface="Times New Roman" pitchFamily="18" charset="0"/>
+              </a:rPr>
+              <a:t>Within </a:t>
+            </a:r>
+            <a:r>
               <a:rPr lang="en-US" dirty="0" smtClean="0">
                 <a:latin typeface="Times New Roman" pitchFamily="18" charset="0"/>
                 <a:cs typeface="Times New Roman" pitchFamily="18" charset="0"/>
               </a:rPr>
-              <a:t>Convert days into appropriate Date format</a:t>
-            </a:r>
-          </a:p>
-          <a:p>
-            <a:pPr lvl="1"/>
-            <a:r>
-              <a:rPr lang="en-US" sz="2400" dirty="0" smtClean="0">
-                <a:latin typeface="Times New Roman" pitchFamily="18" charset="0"/>
-                <a:cs typeface="Times New Roman" pitchFamily="18" charset="0"/>
-              </a:rPr>
-              <a:t>Constructor takes 3 parameters</a:t>
+              <a:t>valid range</a:t>
             </a:r>
           </a:p>
           <a:p>
@@ -3511,112 +3837,15 @@
                 <a:latin typeface="Times New Roman" pitchFamily="18" charset="0"/>
                 <a:cs typeface="Times New Roman" pitchFamily="18" charset="0"/>
               </a:rPr>
-              <a:t>Date(</a:t>
-            </a:r>
-            <a:r>
-              <a:rPr lang="en-US" dirty="0" err="1" smtClean="0">
-                <a:latin typeface="Times New Roman" pitchFamily="18" charset="0"/>
-                <a:cs typeface="Times New Roman" pitchFamily="18" charset="0"/>
-              </a:rPr>
-              <a:t>int</a:t>
-            </a:r>
-            <a:r>
-              <a:rPr lang="en-US" dirty="0" smtClean="0">
-                <a:latin typeface="Times New Roman" pitchFamily="18" charset="0"/>
-                <a:cs typeface="Times New Roman" pitchFamily="18" charset="0"/>
-              </a:rPr>
-              <a:t> y, </a:t>
-            </a:r>
-            <a:r>
-              <a:rPr lang="en-US" dirty="0" err="1" smtClean="0">
-                <a:latin typeface="Times New Roman" pitchFamily="18" charset="0"/>
-                <a:cs typeface="Times New Roman" pitchFamily="18" charset="0"/>
-              </a:rPr>
-              <a:t>int</a:t>
-            </a:r>
-            <a:r>
-              <a:rPr lang="en-US" dirty="0" smtClean="0">
-                <a:latin typeface="Times New Roman" pitchFamily="18" charset="0"/>
-                <a:cs typeface="Times New Roman" pitchFamily="18" charset="0"/>
-              </a:rPr>
-              <a:t> m, </a:t>
-            </a:r>
-            <a:r>
-              <a:rPr lang="en-US" dirty="0" err="1" smtClean="0">
-                <a:latin typeface="Times New Roman" pitchFamily="18" charset="0"/>
-                <a:cs typeface="Times New Roman" pitchFamily="18" charset="0"/>
-              </a:rPr>
-              <a:t>int</a:t>
-            </a:r>
-            <a:r>
-              <a:rPr lang="en-US" dirty="0" smtClean="0">
-                <a:latin typeface="Times New Roman" pitchFamily="18" charset="0"/>
-                <a:cs typeface="Times New Roman" pitchFamily="18" charset="0"/>
-              </a:rPr>
-              <a:t> d);</a:t>
-            </a:r>
-          </a:p>
-          <a:p>
-            <a:pPr lvl="2"/>
-            <a:r>
-              <a:rPr lang="en-US" dirty="0" smtClean="0">
-                <a:latin typeface="Times New Roman" pitchFamily="18" charset="0"/>
-                <a:cs typeface="Times New Roman" pitchFamily="18" charset="0"/>
-              </a:rPr>
-              <a:t>Initializing </a:t>
-            </a:r>
-            <a:r>
-              <a:rPr lang="en-US" dirty="0">
-                <a:latin typeface="Times New Roman" pitchFamily="18" charset="0"/>
-                <a:cs typeface="Times New Roman" pitchFamily="18" charset="0"/>
-              </a:rPr>
-              <a:t>the </a:t>
-            </a:r>
-            <a:r>
-              <a:rPr lang="en-US" dirty="0" smtClean="0">
-                <a:latin typeface="Times New Roman" pitchFamily="18" charset="0"/>
-                <a:cs typeface="Times New Roman" pitchFamily="18" charset="0"/>
-              </a:rPr>
-              <a:t>object using the provided value</a:t>
-            </a:r>
-          </a:p>
-          <a:p>
-            <a:pPr lvl="2"/>
-            <a:r>
-              <a:rPr lang="en-US" dirty="0" smtClean="0">
-                <a:latin typeface="Times New Roman" pitchFamily="18" charset="0"/>
-                <a:cs typeface="Times New Roman" pitchFamily="18" charset="0"/>
-              </a:rPr>
-              <a:t>If any given is invalid, </a:t>
-            </a:r>
-            <a:r>
-              <a:rPr lang="en-US" dirty="0">
-                <a:latin typeface="Times New Roman" pitchFamily="18" charset="0"/>
-                <a:cs typeface="Times New Roman" pitchFamily="18" charset="0"/>
-              </a:rPr>
-              <a:t>i</a:t>
-            </a:r>
-            <a:r>
-              <a:rPr lang="en-US" dirty="0" smtClean="0">
-                <a:latin typeface="Times New Roman" pitchFamily="18" charset="0"/>
-                <a:cs typeface="Times New Roman" pitchFamily="18" charset="0"/>
-              </a:rPr>
-              <a:t>nitialized object with default value</a:t>
-            </a:r>
-          </a:p>
-          <a:p>
-            <a:pPr lvl="2"/>
-            <a:endParaRPr lang="en-US" dirty="0">
-              <a:latin typeface="Times New Roman" pitchFamily="18" charset="0"/>
-              <a:cs typeface="Times New Roman" pitchFamily="18" charset="0"/>
-            </a:endParaRPr>
+              <a:t>Default is 1</a:t>
+            </a:r>
           </a:p>
         </p:txBody>
       </p:sp>
     </p:spTree>
     <p:extLst>
       <p:ext uri="{BB962C8B-B14F-4D97-AF65-F5344CB8AC3E}">
-        <p14:creationId xmlns:p14="http://schemas.microsoft.com/office/powerpoint/2010/main" val="3734635713"/>
+        <p14:creationId xmlns:p14="http://schemas.microsoft.com/office/powerpoint/2010/main" val="3460131282"/>
       </p:ext>
     </p:extLst>
   </p:cSld>
@@ -3652,6 +3881,290 @@
       </p:grpSpPr>
       <p:sp>
         <p:nvSpPr>
+          <p:cNvPr id="3" name="Content Placeholder 2"/>
+          <p:cNvSpPr>
+            <a:spLocks noGrp="1"/>
+          </p:cNvSpPr>
+          <p:nvPr>
+            <p:ph idx="1"/>
+          </p:nvPr>
+        </p:nvSpPr>
+        <p:spPr>
+          <a:xfrm>
+            <a:off x="457200" y="457200"/>
+            <a:ext cx="8229600" cy="6019800"/>
+          </a:xfrm>
+        </p:spPr>
+        <p:txBody>
+          <a:bodyPr>
+            <a:noAutofit/>
+          </a:bodyPr>
+          <a:lstStyle/>
+          <a:p>
+            <a:r>
+              <a:rPr lang="en-US" sz="2400" dirty="0" smtClean="0">
+                <a:latin typeface="Times New Roman" pitchFamily="18" charset="0"/>
+                <a:cs typeface="Times New Roman" pitchFamily="18" charset="0"/>
+              </a:rPr>
+              <a:t>‘Date’ class will have 3 types of constructor</a:t>
+            </a:r>
+          </a:p>
+          <a:p>
+            <a:pPr lvl="1"/>
+            <a:r>
+              <a:rPr lang="en-US" sz="2400" dirty="0" smtClean="0">
+                <a:latin typeface="Times New Roman" pitchFamily="18" charset="0"/>
+                <a:cs typeface="Times New Roman" pitchFamily="18" charset="0"/>
+              </a:rPr>
+              <a:t>Default constructor</a:t>
+            </a:r>
+          </a:p>
+          <a:p>
+            <a:pPr lvl="2"/>
+            <a:r>
+              <a:rPr lang="en-US" dirty="0" smtClean="0">
+                <a:latin typeface="Times New Roman" pitchFamily="18" charset="0"/>
+                <a:cs typeface="Times New Roman" pitchFamily="18" charset="0"/>
+              </a:rPr>
+              <a:t>Date();</a:t>
+            </a:r>
+          </a:p>
+          <a:p>
+            <a:pPr lvl="2"/>
+            <a:r>
+              <a:rPr lang="en-US" dirty="0" smtClean="0">
+                <a:latin typeface="Times New Roman" pitchFamily="18" charset="0"/>
+                <a:cs typeface="Times New Roman" pitchFamily="18" charset="0"/>
+              </a:rPr>
+              <a:t>Initialized year, month, and day with default value</a:t>
+            </a:r>
+          </a:p>
+          <a:p>
+            <a:pPr lvl="1"/>
+            <a:r>
+              <a:rPr lang="en-US" sz="2400" dirty="0" smtClean="0">
+                <a:latin typeface="Times New Roman" pitchFamily="18" charset="0"/>
+                <a:cs typeface="Times New Roman" pitchFamily="18" charset="0"/>
+              </a:rPr>
+              <a:t>Conversion constructor (constructor </a:t>
+            </a:r>
+            <a:r>
+              <a:rPr lang="en-US" sz="2400" dirty="0">
+                <a:latin typeface="Times New Roman" pitchFamily="18" charset="0"/>
+                <a:cs typeface="Times New Roman" pitchFamily="18" charset="0"/>
+              </a:rPr>
+              <a:t>with </a:t>
+            </a:r>
+            <a:r>
+              <a:rPr lang="en-US" sz="2400" dirty="0" smtClean="0">
+                <a:latin typeface="Times New Roman" pitchFamily="18" charset="0"/>
+                <a:cs typeface="Times New Roman" pitchFamily="18" charset="0"/>
+              </a:rPr>
+              <a:t>single parameter)</a:t>
+            </a:r>
+          </a:p>
+          <a:p>
+            <a:pPr lvl="2"/>
+            <a:r>
+              <a:rPr lang="en-US" dirty="0" smtClean="0">
+                <a:latin typeface="Times New Roman" pitchFamily="18" charset="0"/>
+                <a:cs typeface="Times New Roman" pitchFamily="18" charset="0"/>
+              </a:rPr>
+              <a:t>Takes single argument</a:t>
+            </a:r>
+          </a:p>
+          <a:p>
+            <a:pPr lvl="2"/>
+            <a:r>
+              <a:rPr lang="en-US" dirty="0" smtClean="0">
+                <a:latin typeface="Times New Roman" pitchFamily="18" charset="0"/>
+                <a:cs typeface="Times New Roman" pitchFamily="18" charset="0"/>
+              </a:rPr>
+              <a:t>Date(</a:t>
+            </a:r>
+            <a:r>
+              <a:rPr lang="en-US" dirty="0" err="1" smtClean="0">
+                <a:latin typeface="Times New Roman" pitchFamily="18" charset="0"/>
+                <a:cs typeface="Times New Roman" pitchFamily="18" charset="0"/>
+              </a:rPr>
+              <a:t>int</a:t>
+            </a:r>
+            <a:r>
+              <a:rPr lang="en-US" dirty="0" smtClean="0">
+                <a:latin typeface="Times New Roman" pitchFamily="18" charset="0"/>
+                <a:cs typeface="Times New Roman" pitchFamily="18" charset="0"/>
+              </a:rPr>
+              <a:t> d);</a:t>
+            </a:r>
+          </a:p>
+          <a:p>
+            <a:pPr lvl="2"/>
+            <a:r>
+              <a:rPr lang="en-US" dirty="0" smtClean="0">
+                <a:latin typeface="Times New Roman" pitchFamily="18" charset="0"/>
+                <a:cs typeface="Times New Roman" pitchFamily="18" charset="0"/>
+              </a:rPr>
+              <a:t>Convert days into appropriate Date format</a:t>
+            </a:r>
+          </a:p>
+          <a:p>
+            <a:pPr lvl="1"/>
+            <a:r>
+              <a:rPr lang="en-US" sz="2400" dirty="0" smtClean="0">
+                <a:latin typeface="Times New Roman" pitchFamily="18" charset="0"/>
+                <a:cs typeface="Times New Roman" pitchFamily="18" charset="0"/>
+              </a:rPr>
+              <a:t>Constructor takes 3 parameters</a:t>
+            </a:r>
+          </a:p>
+          <a:p>
+            <a:pPr lvl="2"/>
+            <a:r>
+              <a:rPr lang="en-US" dirty="0" smtClean="0">
+                <a:latin typeface="Times New Roman" pitchFamily="18" charset="0"/>
+                <a:cs typeface="Times New Roman" pitchFamily="18" charset="0"/>
+              </a:rPr>
+              <a:t>Date(</a:t>
+            </a:r>
+            <a:r>
+              <a:rPr lang="en-US" dirty="0" err="1" smtClean="0">
+                <a:latin typeface="Times New Roman" pitchFamily="18" charset="0"/>
+                <a:cs typeface="Times New Roman" pitchFamily="18" charset="0"/>
+              </a:rPr>
+              <a:t>int</a:t>
+            </a:r>
+            <a:r>
+              <a:rPr lang="en-US" dirty="0" smtClean="0">
+                <a:latin typeface="Times New Roman" pitchFamily="18" charset="0"/>
+                <a:cs typeface="Times New Roman" pitchFamily="18" charset="0"/>
+              </a:rPr>
+              <a:t> y, </a:t>
+            </a:r>
+            <a:r>
+              <a:rPr lang="en-US" dirty="0" err="1" smtClean="0">
+                <a:latin typeface="Times New Roman" pitchFamily="18" charset="0"/>
+                <a:cs typeface="Times New Roman" pitchFamily="18" charset="0"/>
+              </a:rPr>
+              <a:t>int</a:t>
+            </a:r>
+            <a:r>
+              <a:rPr lang="en-US" dirty="0" smtClean="0">
+                <a:latin typeface="Times New Roman" pitchFamily="18" charset="0"/>
+                <a:cs typeface="Times New Roman" pitchFamily="18" charset="0"/>
+              </a:rPr>
+              <a:t> m, </a:t>
+            </a:r>
+            <a:r>
+              <a:rPr lang="en-US" dirty="0" err="1" smtClean="0">
+                <a:latin typeface="Times New Roman" pitchFamily="18" charset="0"/>
+                <a:cs typeface="Times New Roman" pitchFamily="18" charset="0"/>
+              </a:rPr>
+              <a:t>int</a:t>
+            </a:r>
+            <a:r>
+              <a:rPr lang="en-US" dirty="0" smtClean="0">
+                <a:latin typeface="Times New Roman" pitchFamily="18" charset="0"/>
+                <a:cs typeface="Times New Roman" pitchFamily="18" charset="0"/>
+              </a:rPr>
+              <a:t> d);</a:t>
+            </a:r>
+          </a:p>
+          <a:p>
+            <a:pPr lvl="2"/>
+            <a:r>
+              <a:rPr lang="en-US" dirty="0" smtClean="0">
+                <a:latin typeface="Times New Roman" pitchFamily="18" charset="0"/>
+                <a:cs typeface="Times New Roman" pitchFamily="18" charset="0"/>
+              </a:rPr>
+              <a:t>Initializing </a:t>
+            </a:r>
+            <a:r>
+              <a:rPr lang="en-US" dirty="0">
+                <a:latin typeface="Times New Roman" pitchFamily="18" charset="0"/>
+                <a:cs typeface="Times New Roman" pitchFamily="18" charset="0"/>
+              </a:rPr>
+              <a:t>the </a:t>
+            </a:r>
+            <a:r>
+              <a:rPr lang="en-US" dirty="0" smtClean="0">
+                <a:latin typeface="Times New Roman" pitchFamily="18" charset="0"/>
+                <a:cs typeface="Times New Roman" pitchFamily="18" charset="0"/>
+              </a:rPr>
+              <a:t>object using the provided value</a:t>
+            </a:r>
+          </a:p>
+          <a:p>
+            <a:pPr lvl="2"/>
+            <a:r>
+              <a:rPr lang="en-US" dirty="0" smtClean="0">
+                <a:latin typeface="Times New Roman" pitchFamily="18" charset="0"/>
+                <a:cs typeface="Times New Roman" pitchFamily="18" charset="0"/>
+              </a:rPr>
+              <a:t>If any given is invalid, </a:t>
+            </a:r>
+            <a:r>
+              <a:rPr lang="en-US" dirty="0">
+                <a:latin typeface="Times New Roman" pitchFamily="18" charset="0"/>
+                <a:cs typeface="Times New Roman" pitchFamily="18" charset="0"/>
+              </a:rPr>
+              <a:t>i</a:t>
+            </a:r>
+            <a:r>
+              <a:rPr lang="en-US" dirty="0" smtClean="0">
+                <a:latin typeface="Times New Roman" pitchFamily="18" charset="0"/>
+                <a:cs typeface="Times New Roman" pitchFamily="18" charset="0"/>
+              </a:rPr>
+              <a:t>nitialized object with default value</a:t>
+            </a:r>
+          </a:p>
+          <a:p>
+            <a:pPr lvl="2"/>
+            <a:endParaRPr lang="en-US" dirty="0">
+              <a:latin typeface="Times New Roman" pitchFamily="18" charset="0"/>
+              <a:cs typeface="Times New Roman" pitchFamily="18" charset="0"/>
+            </a:endParaRPr>
+          </a:p>
+        </p:txBody>
+      </p:sp>
+    </p:spTree>
+    <p:extLst>
+      <p:ext uri="{BB962C8B-B14F-4D97-AF65-F5344CB8AC3E}">
+        <p14:creationId xmlns:p14="http://schemas.microsoft.com/office/powerpoint/2010/main" val="3734635713"/>
+      </p:ext>
+    </p:extLst>
+  </p:cSld>
+  <p:clrMapOvr>
+    <a:masterClrMapping/>
+  </p:clrMapOvr>
+  <p:timing>
+    <p:tnLst>
+      <p:par>
+        <p:cTn id="1" dur="indefinite" restart="never" nodeType="tmRoot"/>
+      </p:par>
+    </p:tnLst>
+  </p:timing>
+</p:sld>
+</file>
+
+<file path=ppt/slides/slide5.xml><?xml version="1.0" encoding="utf-8"?>
+<p:sld xmlns:a="http://schemas.openxmlformats.org/drawingml/2006/main" xmlns:r="http://schemas.openxmlformats.org/officeDocument/2006/relationships" xmlns:p="http://schemas.openxmlformats.org/presentationml/2006/main">
+  <p:cSld>
+    <p:spTree>
+      <p:nvGrpSpPr>
+        <p:cNvPr id="1" name=""/>
+        <p:cNvGrpSpPr/>
+        <p:nvPr/>
+      </p:nvGrpSpPr>
+      <p:grpSpPr>
+        <a:xfrm>
+          <a:off x="0" y="0"/>
+          <a:ext cx="0" cy="0"/>
+          <a:chOff x="0" y="0"/>
+          <a:chExt cx="0" cy="0"/>
+        </a:xfrm>
+      </p:grpSpPr>
+      <p:sp>
+        <p:nvSpPr>
           <p:cNvPr id="4" name="Title 3"/>
           <p:cNvSpPr>
             <a:spLocks noGrp="1"/>
@@ -3838,6 +4351,13 @@
   <p:clrMapOvr>
     <a:masterClrMapping/>
   </p:clrMapOvr>
+  <p:timing>
+    <p:tnLst>
+      <p:par>
+        <p:cTn id="1" dur="indefinite" restart="never" nodeType="tmRoot"/>
+      </p:par>
+    </p:tnLst>
+  </p:timing>
 </p:sld>
 </file>
 

--- a/DateClassFrame/DateClassPPT.pptx
+++ b/DateClassFrame/DateClassPPT.pptx
@@ -10,6 +10,7 @@
     <p:sldId id="257" r:id="rId4"/>
     <p:sldId id="258" r:id="rId5"/>
     <p:sldId id="259" r:id="rId6"/>
+    <p:sldId id="261" r:id="rId7"/>
   </p:sldIdLst>
   <p:sldSz cx="9144000" cy="6858000" type="screen4x3"/>
   <p:notesSz cx="6858000" cy="9144000"/>
@@ -4361,6 +4362,248 @@
 </p:sld>
 </file>
 
+<file path=ppt/slides/slide6.xml><?xml version="1.0" encoding="utf-8"?>
+<p:sld xmlns:a="http://schemas.openxmlformats.org/drawingml/2006/main" xmlns:r="http://schemas.openxmlformats.org/officeDocument/2006/relationships" xmlns:p="http://schemas.openxmlformats.org/presentationml/2006/main">
+  <p:cSld>
+    <p:spTree>
+      <p:nvGrpSpPr>
+        <p:cNvPr id="1" name=""/>
+        <p:cNvGrpSpPr/>
+        <p:nvPr/>
+      </p:nvGrpSpPr>
+      <p:grpSpPr>
+        <a:xfrm>
+          <a:off x="0" y="0"/>
+          <a:ext cx="0" cy="0"/>
+          <a:chOff x="0" y="0"/>
+          <a:chExt cx="0" cy="0"/>
+        </a:xfrm>
+      </p:grpSpPr>
+      <p:sp>
+        <p:nvSpPr>
+          <p:cNvPr id="3" name="Content Placeholder 2"/>
+          <p:cNvSpPr>
+            <a:spLocks noGrp="1"/>
+          </p:cNvSpPr>
+          <p:nvPr>
+            <p:ph idx="1"/>
+          </p:nvPr>
+        </p:nvSpPr>
+        <p:spPr>
+          <a:xfrm>
+            <a:off x="304800" y="304800"/>
+            <a:ext cx="8610600" cy="4114800"/>
+          </a:xfrm>
+        </p:spPr>
+        <p:txBody>
+          <a:bodyPr>
+            <a:normAutofit fontScale="62500" lnSpcReduction="20000"/>
+          </a:bodyPr>
+          <a:lstStyle/>
+          <a:p>
+            <a:pPr fontAlgn="base"/>
+            <a:r>
+              <a:rPr lang="en-US" dirty="0">
+                <a:latin typeface="Times New Roman" pitchFamily="18" charset="0"/>
+                <a:cs typeface="Times New Roman" pitchFamily="18" charset="0"/>
+              </a:rPr>
+              <a:t>If you define your operator overloaded function as member function, then compiler translates expressions like s1 + s2 into s1.operator+(s2). </a:t>
+            </a:r>
+            <a:r>
+              <a:rPr lang="en-US" b="1" dirty="0">
+                <a:latin typeface="Times New Roman" pitchFamily="18" charset="0"/>
+                <a:cs typeface="Times New Roman" pitchFamily="18" charset="0"/>
+              </a:rPr>
+              <a:t>That means, the operator overloaded member function gets invoked on the first operand.</a:t>
+            </a:r>
+            <a:r>
+              <a:rPr lang="en-US" dirty="0">
+                <a:latin typeface="Times New Roman" pitchFamily="18" charset="0"/>
+                <a:cs typeface="Times New Roman" pitchFamily="18" charset="0"/>
+              </a:rPr>
+              <a:t> That is how member functions work</a:t>
+            </a:r>
+            <a:r>
+              <a:rPr lang="en-US" dirty="0" smtClean="0">
+                <a:latin typeface="Times New Roman" pitchFamily="18" charset="0"/>
+                <a:cs typeface="Times New Roman" pitchFamily="18" charset="0"/>
+              </a:rPr>
+              <a:t>!</a:t>
+            </a:r>
+            <a:endParaRPr lang="en-US" dirty="0">
+              <a:latin typeface="Times New Roman" pitchFamily="18" charset="0"/>
+              <a:cs typeface="Times New Roman" pitchFamily="18" charset="0"/>
+            </a:endParaRPr>
+          </a:p>
+          <a:p>
+            <a:pPr fontAlgn="base"/>
+            <a:endParaRPr lang="en-US" dirty="0" smtClean="0">
+              <a:latin typeface="Times New Roman" pitchFamily="18" charset="0"/>
+              <a:cs typeface="Times New Roman" pitchFamily="18" charset="0"/>
+            </a:endParaRPr>
+          </a:p>
+          <a:p>
+            <a:pPr fontAlgn="base"/>
+            <a:r>
+              <a:rPr lang="en-US" dirty="0" smtClean="0">
+                <a:latin typeface="Times New Roman" pitchFamily="18" charset="0"/>
+                <a:cs typeface="Times New Roman" pitchFamily="18" charset="0"/>
+              </a:rPr>
+              <a:t>But </a:t>
+            </a:r>
+            <a:r>
+              <a:rPr lang="en-US" dirty="0">
+                <a:latin typeface="Times New Roman" pitchFamily="18" charset="0"/>
+                <a:cs typeface="Times New Roman" pitchFamily="18" charset="0"/>
+              </a:rPr>
+              <a:t>what if the first operand is not a class? </a:t>
+            </a:r>
+            <a:r>
+              <a:rPr lang="en-US" b="1" dirty="0">
+                <a:latin typeface="Times New Roman" pitchFamily="18" charset="0"/>
+                <a:cs typeface="Times New Roman" pitchFamily="18" charset="0"/>
+              </a:rPr>
+              <a:t>There's a major problem if we want to overload an operator where the first operand is not a class type, rather say double.</a:t>
+            </a:r>
+            <a:r>
+              <a:rPr lang="en-US" dirty="0">
+                <a:latin typeface="Times New Roman" pitchFamily="18" charset="0"/>
+                <a:cs typeface="Times New Roman" pitchFamily="18" charset="0"/>
+              </a:rPr>
+              <a:t> So you cannot write like this 10.0 + s2. However, you can write operator overloaded member function for expressions like s1 + 10.0.</a:t>
+            </a:r>
+          </a:p>
+          <a:p>
+            <a:pPr fontAlgn="base"/>
+            <a:endParaRPr lang="en-US" dirty="0" smtClean="0">
+              <a:latin typeface="Times New Roman" pitchFamily="18" charset="0"/>
+              <a:cs typeface="Times New Roman" pitchFamily="18" charset="0"/>
+            </a:endParaRPr>
+          </a:p>
+          <a:p>
+            <a:pPr fontAlgn="base"/>
+            <a:r>
+              <a:rPr lang="en-US" dirty="0" smtClean="0">
+                <a:latin typeface="Times New Roman" pitchFamily="18" charset="0"/>
+                <a:cs typeface="Times New Roman" pitchFamily="18" charset="0"/>
+              </a:rPr>
+              <a:t>To </a:t>
+            </a:r>
+            <a:r>
+              <a:rPr lang="en-US" dirty="0">
+                <a:latin typeface="Times New Roman" pitchFamily="18" charset="0"/>
+                <a:cs typeface="Times New Roman" pitchFamily="18" charset="0"/>
+              </a:rPr>
+              <a:t>solve this </a:t>
+            </a:r>
+            <a:r>
+              <a:rPr lang="en-US" i="1" dirty="0">
+                <a:latin typeface="Times New Roman" pitchFamily="18" charset="0"/>
+                <a:cs typeface="Times New Roman" pitchFamily="18" charset="0"/>
+              </a:rPr>
+              <a:t>ordering</a:t>
+            </a:r>
+            <a:r>
+              <a:rPr lang="en-US" dirty="0">
+                <a:latin typeface="Times New Roman" pitchFamily="18" charset="0"/>
+                <a:cs typeface="Times New Roman" pitchFamily="18" charset="0"/>
+              </a:rPr>
+              <a:t> problem, we define operator overloaded function as friend IF it needs to access private members. Make it friend ONLY when it needs to access private members. Otherwise simply make it </a:t>
+            </a:r>
+            <a:r>
+              <a:rPr lang="en-US" b="1" dirty="0" smtClean="0">
+                <a:latin typeface="Times New Roman" pitchFamily="18" charset="0"/>
+                <a:cs typeface="Times New Roman" pitchFamily="18" charset="0"/>
+              </a:rPr>
+              <a:t>non-friend </a:t>
+            </a:r>
+            <a:r>
+              <a:rPr lang="en-US" b="1" dirty="0">
+                <a:latin typeface="Times New Roman" pitchFamily="18" charset="0"/>
+                <a:cs typeface="Times New Roman" pitchFamily="18" charset="0"/>
+              </a:rPr>
+              <a:t>non-member</a:t>
+            </a:r>
+            <a:r>
+              <a:rPr lang="en-US" dirty="0">
+                <a:latin typeface="Times New Roman" pitchFamily="18" charset="0"/>
+                <a:cs typeface="Times New Roman" pitchFamily="18" charset="0"/>
+              </a:rPr>
+              <a:t> function to </a:t>
+            </a:r>
+            <a:r>
+              <a:rPr lang="en-US" i="1" dirty="0">
+                <a:latin typeface="Times New Roman" pitchFamily="18" charset="0"/>
+                <a:cs typeface="Times New Roman" pitchFamily="18" charset="0"/>
+              </a:rPr>
+              <a:t>improve</a:t>
+            </a:r>
+            <a:r>
+              <a:rPr lang="en-US" dirty="0">
+                <a:latin typeface="Times New Roman" pitchFamily="18" charset="0"/>
+                <a:cs typeface="Times New Roman" pitchFamily="18" charset="0"/>
+              </a:rPr>
+              <a:t> encapsulation</a:t>
+            </a:r>
+            <a:r>
+              <a:rPr lang="en-US" dirty="0" smtClean="0">
+                <a:latin typeface="Times New Roman" pitchFamily="18" charset="0"/>
+                <a:cs typeface="Times New Roman" pitchFamily="18" charset="0"/>
+              </a:rPr>
+              <a:t>!</a:t>
+            </a:r>
+          </a:p>
+          <a:p>
+            <a:pPr marL="0" indent="0" fontAlgn="base">
+              <a:buNone/>
+            </a:pPr>
+            <a:endParaRPr lang="en-US" dirty="0" smtClean="0"/>
+          </a:p>
+        </p:txBody>
+      </p:sp>
+      <p:pic>
+        <p:nvPicPr>
+          <p:cNvPr id="4" name="Picture 3"/>
+          <p:cNvPicPr>
+            <a:picLocks noChangeAspect="1"/>
+          </p:cNvPicPr>
+          <p:nvPr/>
+        </p:nvPicPr>
+        <p:blipFill>
+          <a:blip r:embed="rId2">
+            <a:extLst>
+              <a:ext uri="{28A0092B-C50C-407E-A947-70E740481C1C}">
+                <a14:useLocalDpi xmlns:a14="http://schemas.microsoft.com/office/drawing/2010/main" val="0"/>
+              </a:ext>
+            </a:extLst>
+          </a:blip>
+          <a:stretch>
+            <a:fillRect/>
+          </a:stretch>
+        </p:blipFill>
+        <p:spPr>
+          <a:xfrm>
+            <a:off x="154536" y="4572000"/>
+            <a:ext cx="8913264" cy="2190750"/>
+          </a:xfrm>
+          <a:prstGeom prst="rect">
+            <a:avLst/>
+          </a:prstGeom>
+        </p:spPr>
+      </p:pic>
+    </p:spTree>
+    <p:extLst>
+      <p:ext uri="{BB962C8B-B14F-4D97-AF65-F5344CB8AC3E}">
+        <p14:creationId xmlns:p14="http://schemas.microsoft.com/office/powerpoint/2010/main" val="4204667981"/>
+      </p:ext>
+    </p:extLst>
+  </p:cSld>
+  <p:clrMapOvr>
+    <a:masterClrMapping/>
+  </p:clrMapOvr>
+</p:sld>
+</file>
+
 <file path=ppt/theme/theme1.xml><?xml version="1.0" encoding="utf-8"?>
 <a:theme xmlns:a="http://schemas.openxmlformats.org/drawingml/2006/main" name="Office Theme">
   <a:themeElements>
